--- a/Submit/Movie genre.pptx
+++ b/Submit/Movie genre.pptx
@@ -9,13 +9,13 @@
   </p:notesMasterIdLst>
   <p:sldIdLst>
     <p:sldId id="256" r:id="rId2"/>
-    <p:sldId id="257" r:id="rId3"/>
-    <p:sldId id="259" r:id="rId4"/>
+    <p:sldId id="259" r:id="rId3"/>
+    <p:sldId id="257" r:id="rId4"/>
     <p:sldId id="260" r:id="rId5"/>
     <p:sldId id="261" r:id="rId6"/>
-    <p:sldId id="270" r:id="rId7"/>
-    <p:sldId id="262" r:id="rId8"/>
-    <p:sldId id="265" r:id="rId9"/>
+    <p:sldId id="262" r:id="rId7"/>
+    <p:sldId id="265" r:id="rId8"/>
+    <p:sldId id="270" r:id="rId9"/>
     <p:sldId id="266" r:id="rId10"/>
     <p:sldId id="267" r:id="rId11"/>
     <p:sldId id="268" r:id="rId12"/>
@@ -705,7 +705,7 @@
   <p:cSld>
     <p:spTree>
       <p:nvGrpSpPr>
-        <p:cNvPr id="1" name="Shape 61"/>
+        <p:cNvPr id="1" name="Shape 73"/>
         <p:cNvGrpSpPr/>
         <p:nvPr/>
       </p:nvGrpSpPr>
@@ -719,7 +719,7 @@
       </p:grpSpPr>
       <p:sp>
         <p:nvSpPr>
-          <p:cNvPr id="62" name="Google Shape;62;g8a55b5f358_0_76:notes"/>
+          <p:cNvPr id="74" name="Google Shape;74;g8a55b5f358_0_56:notes"/>
           <p:cNvSpPr>
             <a:spLocks noGrp="1" noRot="1" noChangeAspect="1"/>
           </p:cNvSpPr>
@@ -760,7 +760,7 @@
       </p:sp>
       <p:sp>
         <p:nvSpPr>
-          <p:cNvPr id="63" name="Google Shape;63;g8a55b5f358_0_76:notes"/>
+          <p:cNvPr id="75" name="Google Shape;75;g8a55b5f358_0_56:notes"/>
           <p:cNvSpPr txBox="1">
             <a:spLocks noGrp="1"/>
           </p:cNvSpPr>
@@ -803,7 +803,7 @@
   <p:cSld>
     <p:spTree>
       <p:nvGrpSpPr>
-        <p:cNvPr id="1" name="Shape 73"/>
+        <p:cNvPr id="1" name="Shape 61"/>
         <p:cNvGrpSpPr/>
         <p:nvPr/>
       </p:nvGrpSpPr>
@@ -817,7 +817,7 @@
       </p:grpSpPr>
       <p:sp>
         <p:nvSpPr>
-          <p:cNvPr id="74" name="Google Shape;74;g8a55b5f358_0_56:notes"/>
+          <p:cNvPr id="62" name="Google Shape;62;g8a55b5f358_0_76:notes"/>
           <p:cNvSpPr>
             <a:spLocks noGrp="1" noRot="1" noChangeAspect="1"/>
           </p:cNvSpPr>
@@ -858,7 +858,7 @@
       </p:sp>
       <p:sp>
         <p:nvSpPr>
-          <p:cNvPr id="75" name="Google Shape;75;g8a55b5f358_0_56:notes"/>
+          <p:cNvPr id="63" name="Google Shape;63;g8a55b5f358_0_76:notes"/>
           <p:cNvSpPr txBox="1">
             <a:spLocks noGrp="1"/>
           </p:cNvSpPr>
@@ -1471,7 +1471,7 @@
           <a:p>
             <a:fld id="{4AAD347D-5ACD-4C99-B74B-A9C85AD731AF}" type="datetimeFigureOut">
               <a:rPr lang="en-US" smtClean="0"/>
-              <a:t>6/23/2022</a:t>
+              <a:t>6/25/2022</a:t>
             </a:fld>
             <a:endParaRPr lang="en-US" dirty="0"/>
           </a:p>
@@ -1756,7 +1756,7 @@
           <a:p>
             <a:fld id="{4509A250-FF31-4206-8172-F9D3106AACB1}" type="datetimeFigureOut">
               <a:rPr lang="en-US" smtClean="0"/>
-              <a:t>6/23/2022</a:t>
+              <a:t>6/25/2022</a:t>
             </a:fld>
             <a:endParaRPr lang="en-US" dirty="0"/>
           </a:p>
@@ -1960,7 +1960,7 @@
           <a:p>
             <a:fld id="{4509A250-FF31-4206-8172-F9D3106AACB1}" type="datetimeFigureOut">
               <a:rPr lang="en-US" smtClean="0"/>
-              <a:t>6/23/2022</a:t>
+              <a:t>6/25/2022</a:t>
             </a:fld>
             <a:endParaRPr lang="en-US" dirty="0"/>
           </a:p>
@@ -2238,7 +2238,7 @@
           <a:p>
             <a:fld id="{4AAD347D-5ACD-4C99-B74B-A9C85AD731AF}" type="datetimeFigureOut">
               <a:rPr lang="en-US" smtClean="0"/>
-              <a:t>6/23/2022</a:t>
+              <a:t>6/25/2022</a:t>
             </a:fld>
             <a:endParaRPr lang="en-US" dirty="0"/>
           </a:p>
@@ -2580,7 +2580,7 @@
           <a:p>
             <a:fld id="{4509A250-FF31-4206-8172-F9D3106AACB1}" type="datetimeFigureOut">
               <a:rPr lang="en-US" smtClean="0"/>
-              <a:t>6/23/2022</a:t>
+              <a:t>6/25/2022</a:t>
             </a:fld>
             <a:endParaRPr lang="en-US" dirty="0"/>
           </a:p>
@@ -3200,7 +3200,7 @@
           <a:p>
             <a:fld id="{4509A250-FF31-4206-8172-F9D3106AACB1}" type="datetimeFigureOut">
               <a:rPr lang="en-US" smtClean="0"/>
-              <a:t>6/23/2022</a:t>
+              <a:t>6/25/2022</a:t>
             </a:fld>
             <a:endParaRPr lang="en-US" dirty="0"/>
           </a:p>
@@ -4057,7 +4057,7 @@
           <a:p>
             <a:fld id="{4509A250-FF31-4206-8172-F9D3106AACB1}" type="datetimeFigureOut">
               <a:rPr lang="en-US" smtClean="0"/>
-              <a:t>6/23/2022</a:t>
+              <a:t>6/25/2022</a:t>
             </a:fld>
             <a:endParaRPr lang="en-US" dirty="0"/>
           </a:p>
@@ -4237,7 +4237,7 @@
           <a:p>
             <a:fld id="{4509A250-FF31-4206-8172-F9D3106AACB1}" type="datetimeFigureOut">
               <a:rPr lang="en-US" smtClean="0"/>
-              <a:t>6/23/2022</a:t>
+              <a:t>6/25/2022</a:t>
             </a:fld>
             <a:endParaRPr lang="en-US" dirty="0"/>
           </a:p>
@@ -4427,7 +4427,7 @@
           <a:p>
             <a:fld id="{4509A250-FF31-4206-8172-F9D3106AACB1}" type="datetimeFigureOut">
               <a:rPr lang="en-US" smtClean="0"/>
-              <a:t>6/23/2022</a:t>
+              <a:t>6/25/2022</a:t>
             </a:fld>
             <a:endParaRPr lang="en-US" dirty="0"/>
           </a:p>
@@ -5220,7 +5220,7 @@
           <a:p>
             <a:fld id="{4509A250-FF31-4206-8172-F9D3106AACB1}" type="datetimeFigureOut">
               <a:rPr lang="en-US" smtClean="0"/>
-              <a:t>6/23/2022</a:t>
+              <a:t>6/25/2022</a:t>
             </a:fld>
             <a:endParaRPr lang="en-US" dirty="0"/>
           </a:p>
@@ -5474,7 +5474,7 @@
           <a:p>
             <a:fld id="{9796027F-7875-4030-9381-8BD8C4F21935}" type="datetimeFigureOut">
               <a:rPr lang="en-US" smtClean="0"/>
-              <a:t>6/23/2022</a:t>
+              <a:t>6/25/2022</a:t>
             </a:fld>
             <a:endParaRPr lang="en-US" dirty="0"/>
           </a:p>
@@ -5776,7 +5776,7 @@
           <a:p>
             <a:fld id="{9796027F-7875-4030-9381-8BD8C4F21935}" type="datetimeFigureOut">
               <a:rPr lang="en-US" smtClean="0"/>
-              <a:t>6/23/2022</a:t>
+              <a:t>6/25/2022</a:t>
             </a:fld>
             <a:endParaRPr lang="en-US" dirty="0"/>
           </a:p>
@@ -6224,7 +6224,7 @@
           <a:p>
             <a:fld id="{9796027F-7875-4030-9381-8BD8C4F21935}" type="datetimeFigureOut">
               <a:rPr lang="en-US" smtClean="0"/>
-              <a:t>6/23/2022</a:t>
+              <a:t>6/25/2022</a:t>
             </a:fld>
             <a:endParaRPr lang="en-US" dirty="0"/>
           </a:p>
@@ -6352,7 +6352,7 @@
           <a:p>
             <a:fld id="{4509A250-FF31-4206-8172-F9D3106AACB1}" type="datetimeFigureOut">
               <a:rPr lang="en-US" smtClean="0"/>
-              <a:t>6/23/2022</a:t>
+              <a:t>6/25/2022</a:t>
             </a:fld>
             <a:endParaRPr lang="en-US" dirty="0"/>
           </a:p>
@@ -6457,7 +6457,7 @@
           <a:p>
             <a:fld id="{4509A250-FF31-4206-8172-F9D3106AACB1}" type="datetimeFigureOut">
               <a:rPr lang="en-US" smtClean="0"/>
-              <a:t>6/23/2022</a:t>
+              <a:t>6/25/2022</a:t>
             </a:fld>
             <a:endParaRPr lang="en-US" dirty="0"/>
           </a:p>
@@ -6745,7 +6745,7 @@
           <a:p>
             <a:fld id="{4509A250-FF31-4206-8172-F9D3106AACB1}" type="datetimeFigureOut">
               <a:rPr lang="en-US" smtClean="0"/>
-              <a:t>6/23/2022</a:t>
+              <a:t>6/25/2022</a:t>
             </a:fld>
             <a:endParaRPr lang="en-US" dirty="0"/>
           </a:p>
@@ -7030,7 +7030,7 @@
           <a:p>
             <a:fld id="{4509A250-FF31-4206-8172-F9D3106AACB1}" type="datetimeFigureOut">
               <a:rPr lang="en-US" smtClean="0"/>
-              <a:t>6/23/2022</a:t>
+              <a:t>6/25/2022</a:t>
             </a:fld>
             <a:endParaRPr lang="en-US" dirty="0"/>
           </a:p>
@@ -7469,7 +7469,7 @@
           <a:p>
             <a:fld id="{4AAD347D-5ACD-4C99-B74B-A9C85AD731AF}" type="datetimeFigureOut">
               <a:rPr lang="en-US" smtClean="0"/>
-              <a:t>6/23/2022</a:t>
+              <a:t>6/25/2022</a:t>
             </a:fld>
             <a:endParaRPr lang="en-US" dirty="0"/>
           </a:p>
@@ -11514,7 +11514,7 @@
   <p:cSld>
     <p:spTree>
       <p:nvGrpSpPr>
-        <p:cNvPr id="1" name="Shape 64"/>
+        <p:cNvPr id="1" name="Shape 76"/>
         <p:cNvGrpSpPr/>
         <p:nvPr/>
       </p:nvGrpSpPr>
@@ -11528,7 +11528,7 @@
       </p:grpSpPr>
       <p:sp>
         <p:nvSpPr>
-          <p:cNvPr id="65" name="Google Shape;65;p14"/>
+          <p:cNvPr id="77" name="Google Shape;77;p16"/>
           <p:cNvSpPr txBox="1">
             <a:spLocks noGrp="1"/>
           </p:cNvSpPr>
@@ -11558,7 +11558,7 @@
             </a:pPr>
             <a:r>
               <a:rPr lang="en"/>
-              <a:t>Summary</a:t>
+              <a:t>Business Problem</a:t>
             </a:r>
             <a:endParaRPr/>
           </a:p>
@@ -11566,7 +11566,7 @@
       </p:sp>
       <p:sp>
         <p:nvSpPr>
-          <p:cNvPr id="66" name="Google Shape;66;p14"/>
+          <p:cNvPr id="78" name="Google Shape;78;p16"/>
           <p:cNvSpPr txBox="1">
             <a:spLocks noGrp="1"/>
           </p:cNvSpPr>
@@ -11585,18 +11585,6 @@
           </a:bodyPr>
           <a:lstStyle/>
           <a:p>
-            <a:pPr marL="0" lvl="0" indent="0">
-              <a:spcAft>
-                <a:spcPts val="1600"/>
-              </a:spcAft>
-              <a:buNone/>
-            </a:pPr>
-            <a:r>
-              <a:rPr lang="en" dirty="0"/>
-              <a:t>From ten database, I sifted through tables to examine the information provided. I used five tables for my project. After inspecting, the quality of data, I realised the need to clean data to plan my future moves towards analysis.</a:t>
-            </a:r>
-          </a:p>
-          <a:p>
             <a:pPr marL="0" lvl="0" indent="0" algn="l" rtl="0">
               <a:spcBef>
                 <a:spcPts val="0"/>
@@ -11606,30 +11594,7 @@
               </a:spcAft>
               <a:buNone/>
             </a:pPr>
-            <a:r>
-              <a:rPr lang="en-AU" dirty="0"/>
-              <a:t>T</a:t>
-            </a:r>
-            <a:r>
-              <a:rPr lang="en" dirty="0"/>
-              <a:t>aking advantage of the data present in each table </a:t>
-            </a:r>
-            <a:r>
-              <a:rPr lang="en-AU" dirty="0"/>
-              <a:t>I</a:t>
-            </a:r>
-            <a:r>
-              <a:rPr lang="en" dirty="0"/>
-              <a:t> cleaned and joined them. </a:t>
-            </a:r>
-            <a:r>
-              <a:rPr lang="en-AU" dirty="0"/>
-              <a:t>U</a:t>
-            </a:r>
-            <a:r>
-              <a:rPr lang="en" dirty="0"/>
-              <a:t>sing some statistical methods and graphs to show top performing movies. These movies represent top performing genre’s. </a:t>
-            </a:r>
+            <a:endParaRPr lang="en" dirty="0"/>
           </a:p>
           <a:p>
             <a:pPr marL="0" lvl="0" indent="0" algn="l" rtl="0">
@@ -11641,17 +11606,21 @@
               </a:spcAft>
               <a:buNone/>
             </a:pPr>
+            <a:endParaRPr lang="en" dirty="0"/>
+          </a:p>
+          <a:p>
+            <a:pPr marL="0" lvl="0" indent="0" algn="l" rtl="0">
+              <a:spcBef>
+                <a:spcPts val="0"/>
+              </a:spcBef>
+              <a:spcAft>
+                <a:spcPts val="1600"/>
+              </a:spcAft>
+              <a:buNone/>
+            </a:pPr>
             <a:r>
               <a:rPr lang="en" dirty="0"/>
-              <a:t>My second and third recommendations were extracted in few steps. I am required to </a:t>
-            </a:r>
-            <a:r>
-              <a:rPr lang="en-AU" dirty="0"/>
-              <a:t>J</a:t>
-            </a:r>
-            <a:r>
-              <a:rPr lang="en" dirty="0"/>
-              <a:t>oin &amp; merge using some panda conditional data extraction methods to be able to finalise list of writers and directors.</a:t>
+              <a:t>Microsoft is aiming to create new movie studio. They require recommendations on the type of movies doing well at Box office. Recommendations include actionable insights to help Microsoft with new movie studio. </a:t>
             </a:r>
             <a:endParaRPr dirty="0"/>
           </a:p>
@@ -11670,7 +11639,7 @@
   <p:cSld>
     <p:spTree>
       <p:nvGrpSpPr>
-        <p:cNvPr id="1" name="Shape 76"/>
+        <p:cNvPr id="1" name="Shape 64"/>
         <p:cNvGrpSpPr/>
         <p:nvPr/>
       </p:nvGrpSpPr>
@@ -11684,7 +11653,7 @@
       </p:grpSpPr>
       <p:sp>
         <p:nvSpPr>
-          <p:cNvPr id="77" name="Google Shape;77;p16"/>
+          <p:cNvPr id="65" name="Google Shape;65;p14"/>
           <p:cNvSpPr txBox="1">
             <a:spLocks noGrp="1"/>
           </p:cNvSpPr>
@@ -11714,7 +11683,7 @@
             </a:pPr>
             <a:r>
               <a:rPr lang="en"/>
-              <a:t>Business Problem</a:t>
+              <a:t>Summary</a:t>
             </a:r>
             <a:endParaRPr/>
           </a:p>
@@ -11722,7 +11691,7 @@
       </p:sp>
       <p:sp>
         <p:nvSpPr>
-          <p:cNvPr id="78" name="Google Shape;78;p16"/>
+          <p:cNvPr id="66" name="Google Shape;66;p14"/>
           <p:cNvSpPr txBox="1">
             <a:spLocks noGrp="1"/>
           </p:cNvSpPr>
@@ -11741,6 +11710,18 @@
           </a:bodyPr>
           <a:lstStyle/>
           <a:p>
+            <a:pPr marL="0" lvl="0" indent="0">
+              <a:spcAft>
+                <a:spcPts val="1600"/>
+              </a:spcAft>
+              <a:buNone/>
+            </a:pPr>
+            <a:r>
+              <a:rPr lang="en" dirty="0"/>
+              <a:t>From ten datasets, I sifted through tables to examine the information provided. I used five tables for my project. After inspecting, the quality of data, I realised the need to clean data to plan my future moves towards analysis.</a:t>
+            </a:r>
+          </a:p>
+          <a:p>
             <a:pPr marL="0" lvl="0" indent="0" algn="l" rtl="0">
               <a:spcBef>
                 <a:spcPts val="0"/>
@@ -11750,7 +11731,30 @@
               </a:spcAft>
               <a:buNone/>
             </a:pPr>
-            <a:endParaRPr lang="en" dirty="0"/>
+            <a:r>
+              <a:rPr lang="en-AU" dirty="0"/>
+              <a:t>T</a:t>
+            </a:r>
+            <a:r>
+              <a:rPr lang="en" dirty="0"/>
+              <a:t>aking advantage of the data present in each table </a:t>
+            </a:r>
+            <a:r>
+              <a:rPr lang="en-AU" dirty="0"/>
+              <a:t>I</a:t>
+            </a:r>
+            <a:r>
+              <a:rPr lang="en" dirty="0"/>
+              <a:t> cleaned and joined them. </a:t>
+            </a:r>
+            <a:r>
+              <a:rPr lang="en-AU" dirty="0"/>
+              <a:t>U</a:t>
+            </a:r>
+            <a:r>
+              <a:rPr lang="en" dirty="0"/>
+              <a:t>sing some statistical methods and graphs to show top performing movies. These movies represent top performing genre’s. </a:t>
+            </a:r>
           </a:p>
           <a:p>
             <a:pPr marL="0" lvl="0" indent="0" algn="l" rtl="0">
@@ -11762,21 +11766,17 @@
               </a:spcAft>
               <a:buNone/>
             </a:pPr>
-            <a:endParaRPr lang="en" dirty="0"/>
-          </a:p>
-          <a:p>
-            <a:pPr marL="0" lvl="0" indent="0" algn="l" rtl="0">
-              <a:spcBef>
-                <a:spcPts val="0"/>
-              </a:spcBef>
-              <a:spcAft>
-                <a:spcPts val="1600"/>
-              </a:spcAft>
-              <a:buNone/>
-            </a:pPr>
             <a:r>
               <a:rPr lang="en" dirty="0"/>
-              <a:t>Microsoft is aiming to create new movie studio. They require recommendations on the type of movies doing well at Box office. Recommendations include actionable insights to help Microsoft with new movie studio. </a:t>
+              <a:t>My second and third recommendations were extracted in few steps. I am required to </a:t>
+            </a:r>
+            <a:r>
+              <a:rPr lang="en-AU" dirty="0"/>
+              <a:t>J</a:t>
+            </a:r>
+            <a:r>
+              <a:rPr lang="en" dirty="0"/>
+              <a:t>oin &amp; merge using some panda conditional data extraction methods to be able to finalise list of writers and directors.</a:t>
             </a:r>
             <a:endParaRPr dirty="0"/>
           </a:p>
@@ -12087,282 +12087,6 @@
   <p:cSld>
     <p:spTree>
       <p:nvGrpSpPr>
-        <p:cNvPr id="1" name=""/>
-        <p:cNvGrpSpPr/>
-        <p:nvPr/>
-      </p:nvGrpSpPr>
-      <p:grpSpPr>
-        <a:xfrm>
-          <a:off x="0" y="0"/>
-          <a:ext cx="0" cy="0"/>
-          <a:chOff x="0" y="0"/>
-          <a:chExt cx="0" cy="0"/>
-        </a:xfrm>
-      </p:grpSpPr>
-      <p:sp>
-        <p:nvSpPr>
-          <p:cNvPr id="2" name="Title 1">
-            <a:extLst>
-              <a:ext uri="{FF2B5EF4-FFF2-40B4-BE49-F238E27FC236}">
-                <a16:creationId xmlns:a16="http://schemas.microsoft.com/office/drawing/2014/main" id="{725DCF9A-DB32-9410-88AF-978B0C462629}"/>
-              </a:ext>
-            </a:extLst>
-          </p:cNvPr>
-          <p:cNvSpPr>
-            <a:spLocks noGrp="1"/>
-          </p:cNvSpPr>
-          <p:nvPr>
-            <p:ph type="title"/>
-          </p:nvPr>
-        </p:nvSpPr>
-        <p:spPr/>
-        <p:txBody>
-          <a:bodyPr/>
-          <a:lstStyle/>
-          <a:p>
-            <a:endParaRPr lang="en-AU"/>
-          </a:p>
-        </p:txBody>
-      </p:sp>
-      <p:sp>
-        <p:nvSpPr>
-          <p:cNvPr id="3" name="Text Placeholder 2">
-            <a:extLst>
-              <a:ext uri="{FF2B5EF4-FFF2-40B4-BE49-F238E27FC236}">
-                <a16:creationId xmlns:a16="http://schemas.microsoft.com/office/drawing/2014/main" id="{E67C31B6-2B50-8EDF-B3BA-89AA3D52F4F9}"/>
-              </a:ext>
-            </a:extLst>
-          </p:cNvPr>
-          <p:cNvSpPr>
-            <a:spLocks noGrp="1"/>
-          </p:cNvSpPr>
-          <p:nvPr>
-            <p:ph type="body" idx="1"/>
-          </p:nvPr>
-        </p:nvSpPr>
-        <p:spPr/>
-        <p:txBody>
-          <a:bodyPr/>
-          <a:lstStyle/>
-          <a:p>
-            <a:pPr marL="457200" lvl="0" indent="-393700" algn="l" rtl="0">
-              <a:spcBef>
-                <a:spcPts val="0"/>
-              </a:spcBef>
-              <a:spcAft>
-                <a:spcPts val="0"/>
-              </a:spcAft>
-              <a:buSzPts val="2600"/>
-              <a:buChar char="●"/>
-            </a:pPr>
-            <a:r>
-              <a:rPr lang="en-US" sz="1600" dirty="0"/>
-              <a:t>Joining “</a:t>
-            </a:r>
-            <a:r>
-              <a:rPr lang="en-US" sz="1600" dirty="0" err="1"/>
-              <a:t>imdb.title.basics</a:t>
-            </a:r>
-            <a:r>
-              <a:rPr lang="en-US" sz="1600" dirty="0"/>
-              <a:t>” with my top 20 movies dataset, I was able to extract Genre’s data. Which formed my </a:t>
-            </a:r>
-            <a:r>
-              <a:rPr lang="en-US" sz="1600" b="1" dirty="0"/>
-              <a:t>recommendation 1-Top Genre</a:t>
-            </a:r>
-            <a:r>
-              <a:rPr lang="en-US" sz="1600" dirty="0"/>
-              <a:t>. </a:t>
-            </a:r>
-          </a:p>
-          <a:p>
-            <a:pPr marL="457200" lvl="0" indent="-393700" algn="l" rtl="0">
-              <a:spcBef>
-                <a:spcPts val="0"/>
-              </a:spcBef>
-              <a:spcAft>
-                <a:spcPts val="0"/>
-              </a:spcAft>
-              <a:buSzPts val="2600"/>
-              <a:buChar char="●"/>
-            </a:pPr>
-            <a:r>
-              <a:rPr lang="en-US" sz="1600" dirty="0"/>
-              <a:t>Employing .</a:t>
-            </a:r>
-            <a:r>
-              <a:rPr lang="en-US" sz="1600" dirty="0" err="1"/>
-              <a:t>isin</a:t>
-            </a:r>
-            <a:r>
-              <a:rPr lang="en-US" sz="1600" dirty="0"/>
-              <a:t> function to extract data relating to the top 20 movies, which include “</a:t>
-            </a:r>
-            <a:r>
-              <a:rPr lang="en-US" sz="1600" dirty="0" err="1"/>
-              <a:t>tconst</a:t>
-            </a:r>
-            <a:r>
-              <a:rPr lang="en-US" sz="1600" dirty="0"/>
-              <a:t>” and “Primary Title”</a:t>
-            </a:r>
-          </a:p>
-          <a:p>
-            <a:pPr marL="457200" lvl="0" indent="-393700" algn="l" rtl="0">
-              <a:spcBef>
-                <a:spcPts val="0"/>
-              </a:spcBef>
-              <a:spcAft>
-                <a:spcPts val="0"/>
-              </a:spcAft>
-              <a:buSzPts val="2600"/>
-              <a:buChar char="●"/>
-            </a:pPr>
-            <a:r>
-              <a:rPr lang="en-US" sz="1600" dirty="0"/>
-              <a:t>Merging 'imdb.title.crew.csv’ to newly extracted data table provided with Directors and Writers coded names.</a:t>
-            </a:r>
-          </a:p>
-          <a:p>
-            <a:pPr marL="457200" lvl="0" indent="-393700" algn="l" rtl="0">
-              <a:spcBef>
-                <a:spcPts val="0"/>
-              </a:spcBef>
-              <a:spcAft>
-                <a:spcPts val="0"/>
-              </a:spcAft>
-              <a:buSzPts val="2600"/>
-              <a:buChar char="●"/>
-            </a:pPr>
-            <a:r>
-              <a:rPr lang="en-US" sz="1600" dirty="0"/>
-              <a:t>Again, left merging 'imdb.name.basics.csv’. On “directors” and “</a:t>
-            </a:r>
-            <a:r>
-              <a:rPr lang="en-US" sz="1600" dirty="0" err="1"/>
-              <a:t>nconst</a:t>
-            </a:r>
-            <a:r>
-              <a:rPr lang="en-US" sz="1600" dirty="0"/>
-              <a:t>” as respective indexes. I obtained the corresponding names of the coded directors, by using .</a:t>
-            </a:r>
-            <a:r>
-              <a:rPr lang="en-US" sz="1600" dirty="0" err="1"/>
-              <a:t>dropna</a:t>
-            </a:r>
-            <a:r>
-              <a:rPr lang="en-US" sz="1600" dirty="0"/>
-              <a:t>(subset) method. Hence forming my </a:t>
-            </a:r>
-            <a:r>
-              <a:rPr lang="en-US" sz="1600" b="1" dirty="0"/>
-              <a:t>recommendation 2 – Top Directors list. </a:t>
-            </a:r>
-          </a:p>
-          <a:p>
-            <a:pPr marL="457200" lvl="0" indent="-393700" algn="l" rtl="0">
-              <a:spcBef>
-                <a:spcPts val="0"/>
-              </a:spcBef>
-              <a:spcAft>
-                <a:spcPts val="0"/>
-              </a:spcAft>
-              <a:buSzPts val="2600"/>
-              <a:buChar char="●"/>
-            </a:pPr>
-            <a:r>
-              <a:rPr lang="en-US" sz="1600" dirty="0"/>
-              <a:t>getting to my third recommendation was a bit of work. I extracted data from my top 20 movie list &amp; “imdb.title.principals.csv” by left merging on “</a:t>
-            </a:r>
-            <a:r>
-              <a:rPr lang="en-US" sz="1600" dirty="0" err="1"/>
-              <a:t>ncont</a:t>
-            </a:r>
-            <a:r>
-              <a:rPr lang="en-US" sz="1600" dirty="0"/>
-              <a:t>” to get an individual list of writers forming my </a:t>
-            </a:r>
-            <a:r>
-              <a:rPr lang="en-US" sz="1600" b="1" dirty="0"/>
-              <a:t>recommendation 3- Top writers</a:t>
-            </a:r>
-          </a:p>
-          <a:p>
-            <a:pPr marL="457200" lvl="0" indent="-393700" algn="l" rtl="0">
-              <a:spcBef>
-                <a:spcPts val="0"/>
-              </a:spcBef>
-              <a:spcAft>
-                <a:spcPts val="0"/>
-              </a:spcAft>
-              <a:buSzPts val="2600"/>
-              <a:buChar char="●"/>
-            </a:pPr>
-            <a:endParaRPr lang="en-US" sz="1600" b="1" dirty="0"/>
-          </a:p>
-          <a:p>
-            <a:pPr marL="457200" lvl="0" indent="-393700" algn="l" rtl="0">
-              <a:spcBef>
-                <a:spcPts val="0"/>
-              </a:spcBef>
-              <a:spcAft>
-                <a:spcPts val="0"/>
-              </a:spcAft>
-              <a:buSzPts val="2600"/>
-              <a:buChar char="●"/>
-            </a:pPr>
-            <a:endParaRPr lang="en-US" sz="1600" b="1" dirty="0"/>
-          </a:p>
-          <a:p>
-            <a:pPr marL="457200" lvl="0" indent="-393700" algn="l" rtl="0">
-              <a:spcBef>
-                <a:spcPts val="0"/>
-              </a:spcBef>
-              <a:spcAft>
-                <a:spcPts val="0"/>
-              </a:spcAft>
-              <a:buSzPts val="2600"/>
-              <a:buChar char="●"/>
-            </a:pPr>
-            <a:endParaRPr lang="en-US" sz="1600" b="1" dirty="0"/>
-          </a:p>
-          <a:p>
-            <a:pPr marL="457200" lvl="0" indent="-393700" algn="l" rtl="0">
-              <a:spcBef>
-                <a:spcPts val="0"/>
-              </a:spcBef>
-              <a:spcAft>
-                <a:spcPts val="0"/>
-              </a:spcAft>
-              <a:buSzPts val="2600"/>
-              <a:buChar char="●"/>
-            </a:pPr>
-            <a:endParaRPr lang="en-US" sz="1600" b="1" dirty="0"/>
-          </a:p>
-          <a:p>
-            <a:endParaRPr lang="en-AU" dirty="0"/>
-          </a:p>
-        </p:txBody>
-      </p:sp>
-    </p:spTree>
-    <p:extLst>
-      <p:ext uri="{BB962C8B-B14F-4D97-AF65-F5344CB8AC3E}">
-        <p14:creationId xmlns:p14="http://schemas.microsoft.com/office/powerpoint/2010/main" val="2660227752"/>
-      </p:ext>
-    </p:extLst>
-  </p:cSld>
-  <p:clrMapOvr>
-    <a:masterClrMapping/>
-  </p:clrMapOvr>
-</p:sld>
-</file>
-
-<file path=ppt/slides/slide7.xml><?xml version="1.0" encoding="utf-8"?>
-<p:sld xmlns:a="http://schemas.openxmlformats.org/drawingml/2006/main" xmlns:r="http://schemas.openxmlformats.org/officeDocument/2006/relationships" xmlns:p="http://schemas.openxmlformats.org/presentationml/2006/main">
-  <p:cSld>
-    <p:spTree>
-      <p:nvGrpSpPr>
         <p:cNvPr id="1" name="Shape 94"/>
         <p:cNvGrpSpPr/>
         <p:nvPr/>
@@ -12709,7 +12433,7 @@
 </p:sld>
 </file>
 
-<file path=ppt/slides/slide8.xml><?xml version="1.0" encoding="utf-8"?>
+<file path=ppt/slides/slide7.xml><?xml version="1.0" encoding="utf-8"?>
 <p:sld xmlns:a="http://schemas.openxmlformats.org/drawingml/2006/main" xmlns:r="http://schemas.openxmlformats.org/officeDocument/2006/relationships" xmlns:p="http://schemas.openxmlformats.org/presentationml/2006/main">
   <p:cSld>
     <p:spTree>
@@ -12813,6 +12537,282 @@
     <p:extLst>
       <p:ext uri="{BB962C8B-B14F-4D97-AF65-F5344CB8AC3E}">
         <p14:creationId xmlns:p14="http://schemas.microsoft.com/office/powerpoint/2010/main" val="3727170974"/>
+      </p:ext>
+    </p:extLst>
+  </p:cSld>
+  <p:clrMapOvr>
+    <a:masterClrMapping/>
+  </p:clrMapOvr>
+</p:sld>
+</file>
+
+<file path=ppt/slides/slide8.xml><?xml version="1.0" encoding="utf-8"?>
+<p:sld xmlns:a="http://schemas.openxmlformats.org/drawingml/2006/main" xmlns:r="http://schemas.openxmlformats.org/officeDocument/2006/relationships" xmlns:p="http://schemas.openxmlformats.org/presentationml/2006/main">
+  <p:cSld>
+    <p:spTree>
+      <p:nvGrpSpPr>
+        <p:cNvPr id="1" name=""/>
+        <p:cNvGrpSpPr/>
+        <p:nvPr/>
+      </p:nvGrpSpPr>
+      <p:grpSpPr>
+        <a:xfrm>
+          <a:off x="0" y="0"/>
+          <a:ext cx="0" cy="0"/>
+          <a:chOff x="0" y="0"/>
+          <a:chExt cx="0" cy="0"/>
+        </a:xfrm>
+      </p:grpSpPr>
+      <p:sp>
+        <p:nvSpPr>
+          <p:cNvPr id="2" name="Title 1">
+            <a:extLst>
+              <a:ext uri="{FF2B5EF4-FFF2-40B4-BE49-F238E27FC236}">
+                <a16:creationId xmlns:a16="http://schemas.microsoft.com/office/drawing/2014/main" id="{725DCF9A-DB32-9410-88AF-978B0C462629}"/>
+              </a:ext>
+            </a:extLst>
+          </p:cNvPr>
+          <p:cNvSpPr>
+            <a:spLocks noGrp="1"/>
+          </p:cNvSpPr>
+          <p:nvPr>
+            <p:ph type="title"/>
+          </p:nvPr>
+        </p:nvSpPr>
+        <p:spPr/>
+        <p:txBody>
+          <a:bodyPr/>
+          <a:lstStyle/>
+          <a:p>
+            <a:endParaRPr lang="en-AU"/>
+          </a:p>
+        </p:txBody>
+      </p:sp>
+      <p:sp>
+        <p:nvSpPr>
+          <p:cNvPr id="3" name="Text Placeholder 2">
+            <a:extLst>
+              <a:ext uri="{FF2B5EF4-FFF2-40B4-BE49-F238E27FC236}">
+                <a16:creationId xmlns:a16="http://schemas.microsoft.com/office/drawing/2014/main" id="{E67C31B6-2B50-8EDF-B3BA-89AA3D52F4F9}"/>
+              </a:ext>
+            </a:extLst>
+          </p:cNvPr>
+          <p:cNvSpPr>
+            <a:spLocks noGrp="1"/>
+          </p:cNvSpPr>
+          <p:nvPr>
+            <p:ph type="body" idx="1"/>
+          </p:nvPr>
+        </p:nvSpPr>
+        <p:spPr/>
+        <p:txBody>
+          <a:bodyPr/>
+          <a:lstStyle/>
+          <a:p>
+            <a:pPr marL="457200" lvl="0" indent="-393700" algn="l" rtl="0">
+              <a:spcBef>
+                <a:spcPts val="0"/>
+              </a:spcBef>
+              <a:spcAft>
+                <a:spcPts val="0"/>
+              </a:spcAft>
+              <a:buSzPts val="2600"/>
+              <a:buChar char="●"/>
+            </a:pPr>
+            <a:r>
+              <a:rPr lang="en-US" sz="1600" dirty="0"/>
+              <a:t>Joining “</a:t>
+            </a:r>
+            <a:r>
+              <a:rPr lang="en-US" sz="1600" dirty="0" err="1"/>
+              <a:t>imdb.title.basics</a:t>
+            </a:r>
+            <a:r>
+              <a:rPr lang="en-US" sz="1600" dirty="0"/>
+              <a:t>” with my top 20 movies dataset, I was able to extract Genre’s data. Which formed my </a:t>
+            </a:r>
+            <a:r>
+              <a:rPr lang="en-US" sz="1600" b="1" dirty="0"/>
+              <a:t>recommendation 1-Top Genre</a:t>
+            </a:r>
+            <a:r>
+              <a:rPr lang="en-US" sz="1600" dirty="0"/>
+              <a:t>. </a:t>
+            </a:r>
+          </a:p>
+          <a:p>
+            <a:pPr marL="457200" lvl="0" indent="-393700" algn="l" rtl="0">
+              <a:spcBef>
+                <a:spcPts val="0"/>
+              </a:spcBef>
+              <a:spcAft>
+                <a:spcPts val="0"/>
+              </a:spcAft>
+              <a:buSzPts val="2600"/>
+              <a:buChar char="●"/>
+            </a:pPr>
+            <a:r>
+              <a:rPr lang="en-US" sz="1600" dirty="0"/>
+              <a:t>Employing .</a:t>
+            </a:r>
+            <a:r>
+              <a:rPr lang="en-US" sz="1600" dirty="0" err="1"/>
+              <a:t>isin</a:t>
+            </a:r>
+            <a:r>
+              <a:rPr lang="en-US" sz="1600" dirty="0"/>
+              <a:t> function to extract data relating to the top 20 movies, which include “</a:t>
+            </a:r>
+            <a:r>
+              <a:rPr lang="en-US" sz="1600" dirty="0" err="1"/>
+              <a:t>tconst</a:t>
+            </a:r>
+            <a:r>
+              <a:rPr lang="en-US" sz="1600" dirty="0"/>
+              <a:t>” and “Primary Title”</a:t>
+            </a:r>
+          </a:p>
+          <a:p>
+            <a:pPr marL="457200" lvl="0" indent="-393700" algn="l" rtl="0">
+              <a:spcBef>
+                <a:spcPts val="0"/>
+              </a:spcBef>
+              <a:spcAft>
+                <a:spcPts val="0"/>
+              </a:spcAft>
+              <a:buSzPts val="2600"/>
+              <a:buChar char="●"/>
+            </a:pPr>
+            <a:r>
+              <a:rPr lang="en-US" sz="1600" dirty="0"/>
+              <a:t>Merging 'imdb.title.crew.csv’ to newly extracted data table provided with Directors and Writers coded names.</a:t>
+            </a:r>
+          </a:p>
+          <a:p>
+            <a:pPr marL="457200" lvl="0" indent="-393700" algn="l" rtl="0">
+              <a:spcBef>
+                <a:spcPts val="0"/>
+              </a:spcBef>
+              <a:spcAft>
+                <a:spcPts val="0"/>
+              </a:spcAft>
+              <a:buSzPts val="2600"/>
+              <a:buChar char="●"/>
+            </a:pPr>
+            <a:r>
+              <a:rPr lang="en-US" sz="1600" dirty="0"/>
+              <a:t>Again, left merging 'imdb.name.basics.csv’. On “directors” and “</a:t>
+            </a:r>
+            <a:r>
+              <a:rPr lang="en-US" sz="1600" dirty="0" err="1"/>
+              <a:t>nconst</a:t>
+            </a:r>
+            <a:r>
+              <a:rPr lang="en-US" sz="1600" dirty="0"/>
+              <a:t>” as respective indexes. I obtained the corresponding names of the coded directors, by using .</a:t>
+            </a:r>
+            <a:r>
+              <a:rPr lang="en-US" sz="1600" dirty="0" err="1"/>
+              <a:t>dropna</a:t>
+            </a:r>
+            <a:r>
+              <a:rPr lang="en-US" sz="1600" dirty="0"/>
+              <a:t>(subset) method. Hence forming my </a:t>
+            </a:r>
+            <a:r>
+              <a:rPr lang="en-US" sz="1600" b="1" dirty="0"/>
+              <a:t>recommendation 2 – Top Directors list. </a:t>
+            </a:r>
+          </a:p>
+          <a:p>
+            <a:pPr marL="457200" lvl="0" indent="-393700" algn="l" rtl="0">
+              <a:spcBef>
+                <a:spcPts val="0"/>
+              </a:spcBef>
+              <a:spcAft>
+                <a:spcPts val="0"/>
+              </a:spcAft>
+              <a:buSzPts val="2600"/>
+              <a:buChar char="●"/>
+            </a:pPr>
+            <a:r>
+              <a:rPr lang="en-US" sz="1600" dirty="0"/>
+              <a:t>getting to my third recommendation was a bit of work. I extracted data from my top 20 movie list &amp; “imdb.title.principals.csv” by left merging on “</a:t>
+            </a:r>
+            <a:r>
+              <a:rPr lang="en-US" sz="1600" dirty="0" err="1"/>
+              <a:t>ncont</a:t>
+            </a:r>
+            <a:r>
+              <a:rPr lang="en-US" sz="1600" dirty="0"/>
+              <a:t>” to get an individual list of writers forming my </a:t>
+            </a:r>
+            <a:r>
+              <a:rPr lang="en-US" sz="1600" b="1" dirty="0"/>
+              <a:t>recommendation 3- Top writers</a:t>
+            </a:r>
+          </a:p>
+          <a:p>
+            <a:pPr marL="457200" lvl="0" indent="-393700" algn="l" rtl="0">
+              <a:spcBef>
+                <a:spcPts val="0"/>
+              </a:spcBef>
+              <a:spcAft>
+                <a:spcPts val="0"/>
+              </a:spcAft>
+              <a:buSzPts val="2600"/>
+              <a:buChar char="●"/>
+            </a:pPr>
+            <a:endParaRPr lang="en-US" sz="1600" b="1" dirty="0"/>
+          </a:p>
+          <a:p>
+            <a:pPr marL="457200" lvl="0" indent="-393700" algn="l" rtl="0">
+              <a:spcBef>
+                <a:spcPts val="0"/>
+              </a:spcBef>
+              <a:spcAft>
+                <a:spcPts val="0"/>
+              </a:spcAft>
+              <a:buSzPts val="2600"/>
+              <a:buChar char="●"/>
+            </a:pPr>
+            <a:endParaRPr lang="en-US" sz="1600" b="1" dirty="0"/>
+          </a:p>
+          <a:p>
+            <a:pPr marL="457200" lvl="0" indent="-393700" algn="l" rtl="0">
+              <a:spcBef>
+                <a:spcPts val="0"/>
+              </a:spcBef>
+              <a:spcAft>
+                <a:spcPts val="0"/>
+              </a:spcAft>
+              <a:buSzPts val="2600"/>
+              <a:buChar char="●"/>
+            </a:pPr>
+            <a:endParaRPr lang="en-US" sz="1600" b="1" dirty="0"/>
+          </a:p>
+          <a:p>
+            <a:pPr marL="457200" lvl="0" indent="-393700" algn="l" rtl="0">
+              <a:spcBef>
+                <a:spcPts val="0"/>
+              </a:spcBef>
+              <a:spcAft>
+                <a:spcPts val="0"/>
+              </a:spcAft>
+              <a:buSzPts val="2600"/>
+              <a:buChar char="●"/>
+            </a:pPr>
+            <a:endParaRPr lang="en-US" sz="1600" b="1" dirty="0"/>
+          </a:p>
+          <a:p>
+            <a:endParaRPr lang="en-AU" dirty="0"/>
+          </a:p>
+        </p:txBody>
+      </p:sp>
+    </p:spTree>
+    <p:extLst>
+      <p:ext uri="{BB962C8B-B14F-4D97-AF65-F5344CB8AC3E}">
+        <p14:creationId xmlns:p14="http://schemas.microsoft.com/office/powerpoint/2010/main" val="2660227752"/>
       </p:ext>
     </p:extLst>
   </p:cSld>
